--- a/prezentacja/wymiona walut.pptx
+++ b/prezentacja/wymiona walut.pptx
@@ -8,8 +8,9 @@
     <p:sldId id="256" r:id="rId2"/>
     <p:sldId id="258" r:id="rId3"/>
     <p:sldId id="259" r:id="rId4"/>
-    <p:sldId id="260" r:id="rId5"/>
-    <p:sldId id="257" r:id="rId6"/>
+    <p:sldId id="261" r:id="rId5"/>
+    <p:sldId id="262" r:id="rId6"/>
+    <p:sldId id="257" r:id="rId7"/>
   </p:sldIdLst>
   <p:sldSz cx="12192000" cy="6858000"/>
   <p:notesSz cx="6858000" cy="9144000"/>
@@ -6079,7 +6080,9 @@
         </p:nvSpPr>
         <p:spPr/>
         <p:txBody>
-          <a:bodyPr/>
+          <a:bodyPr>
+            <a:normAutofit/>
+          </a:bodyPr>
           <a:lstStyle/>
           <a:p>
             <a:r>
@@ -6091,13 +6094,60 @@
             <a:pPr lvl="1"/>
             <a:r>
               <a:rPr lang="pl-PL" dirty="0"/>
-              <a:t>Brak darmowych API które dostarczały </a:t>
-            </a:r>
-            <a:r>
-              <a:rPr lang="pl-PL"/>
-              <a:t>by informacji o kursie </a:t>
-            </a:r>
-            <a:endParaRPr lang="pl-PL" dirty="0"/>
+              <a:t>Brak darmowych API które dostarczały by informacji o kursie historycznym </a:t>
+            </a:r>
+            <a:br>
+              <a:rPr lang="pl-PL" dirty="0"/>
+            </a:br>
+            <a:r>
+              <a:rPr lang="pl-PL" dirty="0"/>
+              <a:t>(udało nam się znaleźć tylko dla BTC, 30 dni)</a:t>
+            </a:r>
+          </a:p>
+          <a:p>
+            <a:pPr lvl="1"/>
+            <a:r>
+              <a:rPr lang="pl-PL" dirty="0"/>
+              <a:t>Gdy odpytujemy API </a:t>
+            </a:r>
+            <a:r>
+              <a:rPr lang="pl-PL" dirty="0" err="1"/>
+              <a:t>Bitfinex</a:t>
+            </a:r>
+            <a:r>
+              <a:rPr lang="pl-PL" dirty="0"/>
+              <a:t> o wartości kursu poszczególnych walut </a:t>
+            </a:r>
+            <a:br>
+              <a:rPr lang="pl-PL" dirty="0"/>
+            </a:br>
+            <a:r>
+              <a:rPr lang="pl-PL" dirty="0"/>
+              <a:t>(których listę również otrzymujemy od nich – ok 330 różnych kursów), </a:t>
+            </a:r>
+            <a:br>
+              <a:rPr lang="pl-PL" dirty="0"/>
+            </a:br>
+            <a:r>
+              <a:rPr lang="pl-PL" dirty="0"/>
+              <a:t>dla każdego poszczególnego kursu musimy wykonać nowe zapytanie, co powoduje, że będąc darmowym użytkownikiem po kilku/kilkunastu zapytaniach serwer zwraca błąd 429 (to </a:t>
+            </a:r>
+            <a:r>
+              <a:rPr lang="pl-PL" dirty="0" err="1"/>
+              <a:t>many</a:t>
+            </a:r>
+            <a:r>
+              <a:rPr lang="pl-PL" dirty="0"/>
+              <a:t> </a:t>
+            </a:r>
+            <a:r>
+              <a:rPr lang="pl-PL" dirty="0" err="1"/>
+              <a:t>requests</a:t>
+            </a:r>
+            <a:r>
+              <a:rPr lang="pl-PL" dirty="0"/>
+              <a:t>)</a:t>
+            </a:r>
           </a:p>
         </p:txBody>
       </p:sp>
@@ -6161,10 +6211,10 @@
       </p:sp>
       <p:sp>
         <p:nvSpPr>
-          <p:cNvPr id="3" name="Symbol zastępczy zawartości 2">
+          <p:cNvPr id="5" name="Symbol zastępczy zawartości 4">
             <a:extLst>
               <a:ext uri="{FF2B5EF4-FFF2-40B4-BE49-F238E27FC236}">
-                <a16:creationId xmlns:a16="http://schemas.microsoft.com/office/drawing/2014/main" id="{87D8B4F4-D1B1-4BC6-834E-A65BF39FC68D}"/>
+                <a16:creationId xmlns:a16="http://schemas.microsoft.com/office/drawing/2014/main" id="{FD376093-970D-4FEA-80F5-1557EAE49705}"/>
               </a:ext>
             </a:extLst>
           </p:cNvPr>
@@ -6182,29 +6232,44 @@
           <a:p>
             <a:r>
               <a:rPr lang="pl-PL" dirty="0"/>
-              <a:t>Komunikacja w zespole</a:t>
-            </a:r>
-          </a:p>
-          <a:p>
+              <a:t>R/</a:t>
+            </a:r>
+            <a:r>
+              <a:rPr lang="pl-PL" dirty="0" err="1"/>
+              <a:t>Shiny</a:t>
+            </a:r>
             <a:r>
               <a:rPr lang="pl-PL" dirty="0"/>
-              <a:t>Słabe </a:t>
-            </a:r>
-            <a:r>
-              <a:rPr lang="pl-PL" dirty="0" err="1"/>
-              <a:t>przywódctwo</a:t>
-            </a:r>
+              <a:t>:</a:t>
+            </a:r>
+          </a:p>
+          <a:p>
+            <a:pPr lvl="1"/>
             <a:r>
               <a:rPr lang="pl-PL" dirty="0"/>
-              <a:t>/</a:t>
-            </a:r>
+              <a:t>Brak znajomości języka oraz jego składni był dla nas dużą bolączką</a:t>
+            </a:r>
+          </a:p>
+          <a:p>
+            <a:pPr lvl="1"/>
+            <a:r>
+              <a:rPr lang="pl-PL" dirty="0"/>
+              <a:t>Nie jest dobrym pomysłem dla każdej instancji (a nawet odświeżenia) pobierać na nowo te same dane – lepszym sposobem było by zbudowanie osobnej usługi do magazynowania tych danych, a w R skupić się tylko na wyświetlaniu</a:t>
+            </a:r>
+          </a:p>
+          <a:p>
+            <a:pPr lvl="1"/>
+            <a:endParaRPr lang="pl-PL" dirty="0"/>
+          </a:p>
+          <a:p>
+            <a:endParaRPr lang="pl-PL" dirty="0"/>
           </a:p>
         </p:txBody>
       </p:sp>
     </p:spTree>
     <p:extLst>
       <p:ext uri="{BB962C8B-B14F-4D97-AF65-F5344CB8AC3E}">
-        <p14:creationId xmlns:p14="http://schemas.microsoft.com/office/powerpoint/2010/main" val="444010934"/>
+        <p14:creationId xmlns:p14="http://schemas.microsoft.com/office/powerpoint/2010/main" val="23695496"/>
       </p:ext>
     </p:extLst>
   </p:cSld>
@@ -6236,6 +6301,115 @@
           <p:cNvPr id="2" name="Tytuł 1">
             <a:extLst>
               <a:ext uri="{FF2B5EF4-FFF2-40B4-BE49-F238E27FC236}">
+                <a16:creationId xmlns:a16="http://schemas.microsoft.com/office/drawing/2014/main" id="{90D45D7F-0370-487A-AD78-59FD00C28017}"/>
+              </a:ext>
+            </a:extLst>
+          </p:cNvPr>
+          <p:cNvSpPr>
+            <a:spLocks noGrp="1"/>
+          </p:cNvSpPr>
+          <p:nvPr>
+            <p:ph type="title"/>
+          </p:nvPr>
+        </p:nvSpPr>
+        <p:spPr/>
+        <p:txBody>
+          <a:bodyPr/>
+          <a:lstStyle/>
+          <a:p>
+            <a:r>
+              <a:rPr lang="pl-PL" dirty="0"/>
+              <a:t>Potencjalne zastosowanie komercyjne</a:t>
+            </a:r>
+          </a:p>
+        </p:txBody>
+      </p:sp>
+      <p:sp>
+        <p:nvSpPr>
+          <p:cNvPr id="3" name="Symbol zastępczy zawartości 2">
+            <a:extLst>
+              <a:ext uri="{FF2B5EF4-FFF2-40B4-BE49-F238E27FC236}">
+                <a16:creationId xmlns:a16="http://schemas.microsoft.com/office/drawing/2014/main" id="{F8C6B035-FA89-4307-A416-804D44028FE6}"/>
+              </a:ext>
+            </a:extLst>
+          </p:cNvPr>
+          <p:cNvSpPr>
+            <a:spLocks noGrp="1"/>
+          </p:cNvSpPr>
+          <p:nvPr>
+            <p:ph idx="1"/>
+          </p:nvPr>
+        </p:nvSpPr>
+        <p:spPr/>
+        <p:txBody>
+          <a:bodyPr/>
+          <a:lstStyle/>
+          <a:p>
+            <a:r>
+              <a:rPr lang="pl-PL" dirty="0"/>
+              <a:t>Strona informacyjna jakie są obecnie kursy, z możliwym w przyszłości rozwinięciem aplikacji do pełnoprawnej giełdy walut elektronicznych </a:t>
+            </a:r>
+            <a:br>
+              <a:rPr lang="pl-PL" dirty="0"/>
+            </a:br>
+            <a:r>
+              <a:rPr lang="pl-PL" dirty="0"/>
+              <a:t>(choć już do tego R/</a:t>
+            </a:r>
+            <a:r>
+              <a:rPr lang="pl-PL" dirty="0" err="1"/>
+              <a:t>Shiny</a:t>
+            </a:r>
+            <a:r>
+              <a:rPr lang="pl-PL" dirty="0"/>
+              <a:t> się nie nadaje – zabezpieczenia, </a:t>
+            </a:r>
+            <a:r>
+              <a:rPr lang="pl-PL" dirty="0" err="1"/>
+              <a:t>responsywność</a:t>
+            </a:r>
+            <a:r>
+              <a:rPr lang="pl-PL" dirty="0"/>
+              <a:t>, skalowalność)</a:t>
+            </a:r>
+          </a:p>
+        </p:txBody>
+      </p:sp>
+    </p:spTree>
+    <p:extLst>
+      <p:ext uri="{BB962C8B-B14F-4D97-AF65-F5344CB8AC3E}">
+        <p14:creationId xmlns:p14="http://schemas.microsoft.com/office/powerpoint/2010/main" val="564487166"/>
+      </p:ext>
+    </p:extLst>
+  </p:cSld>
+  <p:clrMapOvr>
+    <a:masterClrMapping/>
+  </p:clrMapOvr>
+</p:sld>
+</file>
+
+<file path=ppt/slides/slide6.xml><?xml version="1.0" encoding="utf-8"?>
+<p:sld xmlns:a="http://schemas.openxmlformats.org/drawingml/2006/main" xmlns:r="http://schemas.openxmlformats.org/officeDocument/2006/relationships" xmlns:p="http://schemas.openxmlformats.org/presentationml/2006/main">
+  <p:cSld>
+    <p:spTree>
+      <p:nvGrpSpPr>
+        <p:cNvPr id="1" name=""/>
+        <p:cNvGrpSpPr/>
+        <p:nvPr/>
+      </p:nvGrpSpPr>
+      <p:grpSpPr>
+        <a:xfrm>
+          <a:off x="0" y="0"/>
+          <a:ext cx="0" cy="0"/>
+          <a:chOff x="0" y="0"/>
+          <a:chExt cx="0" cy="0"/>
+        </a:xfrm>
+      </p:grpSpPr>
+      <p:sp>
+        <p:nvSpPr>
+          <p:cNvPr id="2" name="Tytuł 1">
+            <a:extLst>
+              <a:ext uri="{FF2B5EF4-FFF2-40B4-BE49-F238E27FC236}">
                 <a16:creationId xmlns:a16="http://schemas.microsoft.com/office/drawing/2014/main" id="{F652947C-9337-443F-83F4-978477672994}"/>
               </a:ext>
             </a:extLst>
@@ -6280,6 +6454,22 @@
           <a:bodyPr/>
           <a:lstStyle/>
           <a:p>
+            <a:r>
+              <a:rPr lang="pl-PL" dirty="0"/>
+              <a:t>Patrycja Brzozowska</a:t>
+            </a:r>
+          </a:p>
+          <a:p>
+            <a:r>
+              <a:rPr lang="pl-PL" dirty="0"/>
+              <a:t>Kajetan Krzewina</a:t>
+            </a:r>
+          </a:p>
+          <a:p>
+            <a:r>
+              <a:rPr lang="pl-PL"/>
+              <a:t>Bartosz Pawlak</a:t>
+            </a:r>
             <a:endParaRPr lang="pl-PL" dirty="0"/>
           </a:p>
         </p:txBody>
